--- a/docs/BWT and FM Index.pptx
+++ b/docs/BWT and FM Index.pptx
@@ -5,7 +5,7 @@
     <p:sldMasterId id="2147483660" r:id="rId1"/>
   </p:sldMasterIdLst>
   <p:notesMasterIdLst>
-    <p:notesMasterId r:id="rId15"/>
+    <p:notesMasterId r:id="rId16"/>
   </p:notesMasterIdLst>
   <p:sldIdLst>
     <p:sldId id="256" r:id="rId2"/>
@@ -20,7 +20,8 @@
     <p:sldId id="265" r:id="rId11"/>
     <p:sldId id="266" r:id="rId12"/>
     <p:sldId id="267" r:id="rId13"/>
-    <p:sldId id="268" r:id="rId14"/>
+    <p:sldId id="269" r:id="rId14"/>
+    <p:sldId id="268" r:id="rId15"/>
   </p:sldIdLst>
   <p:sldSz cx="12192000" cy="6858000"/>
   <p:notesSz cx="6858000" cy="9144000"/>
@@ -119,6 +120,11 @@
       </a:defRPr>
     </a:lvl9pPr>
   </p:defaultTextStyle>
+  <p:extLst>
+    <p:ext uri="{EFAFB233-063F-42B5-8137-9DF3F51BA10A}">
+      <p15:sldGuideLst xmlns:p15="http://schemas.microsoft.com/office/powerpoint/2012/main"/>
+    </p:ext>
+  </p:extLst>
 </p:presentation>
 </file>
 
@@ -6196,7 +6202,7 @@
           <a:p>
             <a:fld id="{5AD6FB7F-D551-487F-BBC5-E3F3533F17D5}" type="datetimeFigureOut">
               <a:rPr lang="en-US" smtClean="0"/>
-              <a:t>5/6/2019</a:t>
+              <a:t>5/7/2019</a:t>
             </a:fld>
             <a:endParaRPr lang="en-US"/>
           </a:p>
@@ -7956,7 +7962,7 @@
           <a:p>
             <a:fld id="{7D9546F4-B244-4291-B7DC-1486EAC3FF92}" type="datetimeFigureOut">
               <a:rPr lang="en-US" smtClean="0"/>
-              <a:t>5/6/2019</a:t>
+              <a:t>5/7/2019</a:t>
             </a:fld>
             <a:endParaRPr lang="en-US"/>
           </a:p>
@@ -9415,7 +9421,7 @@
           <a:p>
             <a:fld id="{7D9546F4-B244-4291-B7DC-1486EAC3FF92}" type="datetimeFigureOut">
               <a:rPr lang="en-US" smtClean="0"/>
-              <a:t>5/6/2019</a:t>
+              <a:t>5/7/2019</a:t>
             </a:fld>
             <a:endParaRPr lang="en-US"/>
           </a:p>
@@ -10868,7 +10874,7 @@
           <a:p>
             <a:fld id="{7D9546F4-B244-4291-B7DC-1486EAC3FF92}" type="datetimeFigureOut">
               <a:rPr lang="en-US" smtClean="0"/>
-              <a:t>5/6/2019</a:t>
+              <a:t>5/7/2019</a:t>
             </a:fld>
             <a:endParaRPr lang="en-US"/>
           </a:p>
@@ -12323,7 +12329,7 @@
           <a:p>
             <a:fld id="{7D9546F4-B244-4291-B7DC-1486EAC3FF92}" type="datetimeFigureOut">
               <a:rPr lang="en-US" smtClean="0"/>
-              <a:t>5/6/2019</a:t>
+              <a:t>5/7/2019</a:t>
             </a:fld>
             <a:endParaRPr lang="en-US"/>
           </a:p>
@@ -13831,7 +13837,7 @@
           <a:p>
             <a:fld id="{7D9546F4-B244-4291-B7DC-1486EAC3FF92}" type="datetimeFigureOut">
               <a:rPr lang="en-US" smtClean="0"/>
-              <a:t>5/6/2019</a:t>
+              <a:t>5/7/2019</a:t>
             </a:fld>
             <a:endParaRPr lang="en-US"/>
           </a:p>
@@ -15352,7 +15358,7 @@
           <a:p>
             <a:fld id="{7D9546F4-B244-4291-B7DC-1486EAC3FF92}" type="datetimeFigureOut">
               <a:rPr lang="en-US" smtClean="0"/>
-              <a:t>5/6/2019</a:t>
+              <a:t>5/7/2019</a:t>
             </a:fld>
             <a:endParaRPr lang="en-US"/>
           </a:p>
@@ -17017,7 +17023,7 @@
           <a:p>
             <a:fld id="{7D9546F4-B244-4291-B7DC-1486EAC3FF92}" type="datetimeFigureOut">
               <a:rPr lang="en-US" smtClean="0"/>
-              <a:t>5/6/2019</a:t>
+              <a:t>5/7/2019</a:t>
             </a:fld>
             <a:endParaRPr lang="en-US"/>
           </a:p>
@@ -18415,7 +18421,7 @@
           <a:p>
             <a:fld id="{7D9546F4-B244-4291-B7DC-1486EAC3FF92}" type="datetimeFigureOut">
               <a:rPr lang="en-US" smtClean="0"/>
-              <a:t>5/6/2019</a:t>
+              <a:t>5/7/2019</a:t>
             </a:fld>
             <a:endParaRPr lang="en-US"/>
           </a:p>
@@ -18515,7 +18521,7 @@
           <a:p>
             <a:fld id="{7D9546F4-B244-4291-B7DC-1486EAC3FF92}" type="datetimeFigureOut">
               <a:rPr lang="en-US" smtClean="0"/>
-              <a:t>5/6/2019</a:t>
+              <a:t>5/7/2019</a:t>
             </a:fld>
             <a:endParaRPr lang="en-US"/>
           </a:p>
@@ -20041,7 +20047,7 @@
           <a:p>
             <a:fld id="{7D9546F4-B244-4291-B7DC-1486EAC3FF92}" type="datetimeFigureOut">
               <a:rPr lang="en-US" smtClean="0"/>
-              <a:t>5/6/2019</a:t>
+              <a:t>5/7/2019</a:t>
             </a:fld>
             <a:endParaRPr lang="en-US"/>
           </a:p>
@@ -21577,7 +21583,7 @@
           <a:p>
             <a:fld id="{7D9546F4-B244-4291-B7DC-1486EAC3FF92}" type="datetimeFigureOut">
               <a:rPr lang="en-US" smtClean="0"/>
-              <a:t>5/6/2019</a:t>
+              <a:t>5/7/2019</a:t>
             </a:fld>
             <a:endParaRPr lang="en-US"/>
           </a:p>
@@ -21800,7 +21806,7 @@
           <a:p>
             <a:fld id="{7D9546F4-B244-4291-B7DC-1486EAC3FF92}" type="datetimeFigureOut">
               <a:rPr lang="en-US" smtClean="0"/>
-              <a:t>5/6/2019</a:t>
+              <a:t>5/7/2019</a:t>
             </a:fld>
             <a:endParaRPr lang="en-US"/>
           </a:p>
@@ -22657,6 +22663,456 @@
 </file>
 
 <file path=ppt/slides/slide13.xml><?xml version="1.0" encoding="utf-8"?>
+<p:sld xmlns:a="http://schemas.openxmlformats.org/drawingml/2006/main" xmlns:r="http://schemas.openxmlformats.org/officeDocument/2006/relationships" xmlns:p="http://schemas.openxmlformats.org/presentationml/2006/main">
+  <p:cSld>
+    <p:spTree>
+      <p:nvGrpSpPr>
+        <p:cNvPr id="1" name=""/>
+        <p:cNvGrpSpPr/>
+        <p:nvPr/>
+      </p:nvGrpSpPr>
+      <p:grpSpPr>
+        <a:xfrm>
+          <a:off x="0" y="0"/>
+          <a:ext cx="0" cy="0"/>
+          <a:chOff x="0" y="0"/>
+          <a:chExt cx="0" cy="0"/>
+        </a:xfrm>
+      </p:grpSpPr>
+      <p:sp>
+        <p:nvSpPr>
+          <p:cNvPr id="2" name="Title 1">
+            <a:extLst>
+              <a:ext uri="{FF2B5EF4-FFF2-40B4-BE49-F238E27FC236}">
+                <a16:creationId xmlns:a16="http://schemas.microsoft.com/office/drawing/2014/main" id="{84608304-30FB-4A51-B336-5FE8337A09E3}"/>
+              </a:ext>
+            </a:extLst>
+          </p:cNvPr>
+          <p:cNvSpPr>
+            <a:spLocks noGrp="1"/>
+          </p:cNvSpPr>
+          <p:nvPr>
+            <p:ph type="title"/>
+          </p:nvPr>
+        </p:nvSpPr>
+        <p:spPr/>
+        <p:txBody>
+          <a:bodyPr/>
+          <a:lstStyle/>
+          <a:p>
+            <a:r>
+              <a:rPr lang="en-US" dirty="0"/>
+              <a:t>FM Index</a:t>
+            </a:r>
+            <a:br>
+              <a:rPr lang="en-US" dirty="0"/>
+            </a:br>
+            <a:r>
+              <a:rPr lang="en-US" dirty="0" err="1"/>
+              <a:t>memorija</a:t>
+            </a:r>
+            <a:endParaRPr lang="en-US" dirty="0"/>
+          </a:p>
+        </p:txBody>
+      </p:sp>
+      <p:graphicFrame>
+        <p:nvGraphicFramePr>
+          <p:cNvPr id="5" name="Content Placeholder 4">
+            <a:extLst>
+              <a:ext uri="{FF2B5EF4-FFF2-40B4-BE49-F238E27FC236}">
+                <a16:creationId xmlns:a16="http://schemas.microsoft.com/office/drawing/2014/main" id="{ED68EB75-4A42-49B5-BA72-C1F0D6BB7D23}"/>
+              </a:ext>
+            </a:extLst>
+          </p:cNvPr>
+          <p:cNvGraphicFramePr>
+            <a:graphicFrameLocks noGrp="1"/>
+          </p:cNvGraphicFramePr>
+          <p:nvPr>
+            <p:ph idx="1"/>
+            <p:extLst>
+              <p:ext uri="{D42A27DB-BD31-4B8C-83A1-F6EECF244321}">
+                <p14:modId xmlns:p14="http://schemas.microsoft.com/office/powerpoint/2010/main" val="83947639"/>
+              </p:ext>
+            </p:extLst>
+          </p:nvPr>
+        </p:nvGraphicFramePr>
+        <p:xfrm>
+          <a:off x="5041480" y="2148840"/>
+          <a:ext cx="6670262" cy="2560320"/>
+        </p:xfrm>
+        <a:graphic>
+          <a:graphicData uri="http://schemas.openxmlformats.org/drawingml/2006/table">
+            <a:tbl>
+              <a:tblPr firstRow="1" bandRow="1">
+                <a:tableStyleId>{5C22544A-7EE6-4342-B048-85BDC9FD1C3A}</a:tableStyleId>
+              </a:tblPr>
+              <a:tblGrid>
+                <a:gridCol w="2133771">
+                  <a:extLst>
+                    <a:ext uri="{9D8B030D-6E8A-4147-A177-3AD203B41FA5}">
+                      <a16:colId xmlns:a16="http://schemas.microsoft.com/office/drawing/2014/main" val="4123658460"/>
+                    </a:ext>
+                  </a:extLst>
+                </a:gridCol>
+                <a:gridCol w="1597983">
+                  <a:extLst>
+                    <a:ext uri="{9D8B030D-6E8A-4147-A177-3AD203B41FA5}">
+                      <a16:colId xmlns:a16="http://schemas.microsoft.com/office/drawing/2014/main" val="1133069280"/>
+                    </a:ext>
+                  </a:extLst>
+                </a:gridCol>
+                <a:gridCol w="1376038">
+                  <a:extLst>
+                    <a:ext uri="{9D8B030D-6E8A-4147-A177-3AD203B41FA5}">
+                      <a16:colId xmlns:a16="http://schemas.microsoft.com/office/drawing/2014/main" val="901291161"/>
+                    </a:ext>
+                  </a:extLst>
+                </a:gridCol>
+                <a:gridCol w="1562470">
+                  <a:extLst>
+                    <a:ext uri="{9D8B030D-6E8A-4147-A177-3AD203B41FA5}">
+                      <a16:colId xmlns:a16="http://schemas.microsoft.com/office/drawing/2014/main" val="2537585768"/>
+                    </a:ext>
+                  </a:extLst>
+                </a:gridCol>
+              </a:tblGrid>
+              <a:tr h="370840">
+                <a:tc>
+                  <a:txBody>
+                    <a:bodyPr/>
+                    <a:lstStyle/>
+                    <a:p>
+                      <a:pPr algn="ctr"/>
+                      <a:endParaRPr lang="en-US" dirty="0"/>
+                    </a:p>
+                  </a:txBody>
+                  <a:tcPr anchor="ctr"/>
+                </a:tc>
+                <a:tc>
+                  <a:txBody>
+                    <a:bodyPr/>
+                    <a:lstStyle/>
+                    <a:p>
+                      <a:pPr algn="ctr"/>
+                      <a:r>
+                        <a:rPr lang="en-US" dirty="0" err="1"/>
+                        <a:t>Veli</a:t>
+                      </a:r>
+                      <a:r>
+                        <a:rPr lang="sr-Latn-RS" dirty="0"/>
+                        <a:t>čina teksta</a:t>
+                      </a:r>
+                      <a:endParaRPr lang="en-US" dirty="0"/>
+                    </a:p>
+                  </a:txBody>
+                  <a:tcPr anchor="ctr"/>
+                </a:tc>
+                <a:tc>
+                  <a:txBody>
+                    <a:bodyPr/>
+                    <a:lstStyle/>
+                    <a:p>
+                      <a:pPr algn="ctr"/>
+                      <a:r>
+                        <a:rPr lang="en-US" dirty="0" err="1"/>
+                        <a:t>Memorija</a:t>
+                      </a:r>
+                      <a:r>
+                        <a:rPr lang="en-US" dirty="0"/>
+                        <a:t> </a:t>
+                      </a:r>
+                      <a:r>
+                        <a:rPr lang="en-US" dirty="0" err="1"/>
+                        <a:t>na</a:t>
+                      </a:r>
+                      <a:r>
+                        <a:rPr lang="en-US" dirty="0"/>
+                        <a:t> HDD</a:t>
+                      </a:r>
+                    </a:p>
+                  </a:txBody>
+                  <a:tcPr anchor="ctr"/>
+                </a:tc>
+                <a:tc>
+                  <a:txBody>
+                    <a:bodyPr/>
+                    <a:lstStyle/>
+                    <a:p>
+                      <a:pPr algn="ctr"/>
+                      <a:r>
+                        <a:rPr lang="en-US" dirty="0"/>
+                        <a:t>RAM </a:t>
+                      </a:r>
+                      <a:r>
+                        <a:rPr lang="en-US" dirty="0" err="1"/>
+                        <a:t>tokom</a:t>
+                      </a:r>
+                      <a:r>
+                        <a:rPr lang="en-US" dirty="0"/>
+                        <a:t> </a:t>
+                      </a:r>
+                      <a:r>
+                        <a:rPr lang="en-US" dirty="0" err="1"/>
+                        <a:t>pretrage</a:t>
+                      </a:r>
+                      <a:endParaRPr lang="en-US" dirty="0"/>
+                    </a:p>
+                  </a:txBody>
+                  <a:tcPr anchor="ctr"/>
+                </a:tc>
+                <a:extLst>
+                  <a:ext uri="{0D108BD9-81ED-4DB2-BD59-A6C34878D82A}">
+                    <a16:rowId xmlns:a16="http://schemas.microsoft.com/office/drawing/2014/main" val="1845698972"/>
+                  </a:ext>
+                </a:extLst>
+              </a:tr>
+              <a:tr h="370840">
+                <a:tc>
+                  <a:txBody>
+                    <a:bodyPr/>
+                    <a:lstStyle/>
+                    <a:p>
+                      <a:pPr algn="ctr"/>
+                      <a:r>
+                        <a:rPr lang="en-US" dirty="0" err="1"/>
+                        <a:t>Coffea</a:t>
+                      </a:r>
+                      <a:r>
+                        <a:rPr lang="en-US" dirty="0"/>
+                        <a:t> arabica, chromosome 1c</a:t>
+                      </a:r>
+                    </a:p>
+                  </a:txBody>
+                  <a:tcPr anchor="ctr"/>
+                </a:tc>
+                <a:tc>
+                  <a:txBody>
+                    <a:bodyPr/>
+                    <a:lstStyle/>
+                    <a:p>
+                      <a:pPr algn="ctr"/>
+                      <a:r>
+                        <a:rPr lang="sr-Latn-RS" dirty="0"/>
+                        <a:t>~5</a:t>
+                      </a:r>
+                      <a:r>
+                        <a:rPr lang="en-US" dirty="0"/>
+                        <a:t>0</a:t>
+                      </a:r>
+                      <a:r>
+                        <a:rPr lang="sr-Latn-RS" dirty="0"/>
+                        <a:t> miliona</a:t>
+                      </a:r>
+                      <a:endParaRPr lang="en-US" dirty="0"/>
+                    </a:p>
+                  </a:txBody>
+                  <a:tcPr anchor="ctr"/>
+                </a:tc>
+                <a:tc>
+                  <a:txBody>
+                    <a:bodyPr/>
+                    <a:lstStyle/>
+                    <a:p>
+                      <a:pPr algn="ctr"/>
+                      <a:r>
+                        <a:rPr lang="en-US" dirty="0"/>
+                        <a:t>73 MB</a:t>
+                      </a:r>
+                    </a:p>
+                  </a:txBody>
+                  <a:tcPr anchor="ctr"/>
+                </a:tc>
+                <a:tc>
+                  <a:txBody>
+                    <a:bodyPr/>
+                    <a:lstStyle/>
+                    <a:p>
+                      <a:pPr algn="ctr"/>
+                      <a:r>
+                        <a:rPr lang="en-US" dirty="0"/>
+                        <a:t>~319 MB</a:t>
+                      </a:r>
+                    </a:p>
+                  </a:txBody>
+                  <a:tcPr anchor="ctr"/>
+                </a:tc>
+                <a:extLst>
+                  <a:ext uri="{0D108BD9-81ED-4DB2-BD59-A6C34878D82A}">
+                    <a16:rowId xmlns:a16="http://schemas.microsoft.com/office/drawing/2014/main" val="490081241"/>
+                  </a:ext>
+                </a:extLst>
+              </a:tr>
+              <a:tr h="370840">
+                <a:tc>
+                  <a:txBody>
+                    <a:bodyPr/>
+                    <a:lstStyle/>
+                    <a:p>
+                      <a:pPr algn="ctr"/>
+                      <a:r>
+                        <a:rPr lang="en-US" dirty="0"/>
+                        <a:t>Mus </a:t>
+                      </a:r>
+                      <a:r>
+                        <a:rPr lang="en-US" dirty="0" err="1"/>
+                        <a:t>pahari</a:t>
+                      </a:r>
+                      <a:r>
+                        <a:rPr lang="en-US" dirty="0"/>
+                        <a:t>, chromosome X</a:t>
+                      </a:r>
+                    </a:p>
+                  </a:txBody>
+                  <a:tcPr anchor="ctr"/>
+                </a:tc>
+                <a:tc>
+                  <a:txBody>
+                    <a:bodyPr/>
+                    <a:lstStyle/>
+                    <a:p>
+                      <a:pPr algn="ctr"/>
+                      <a:r>
+                        <a:rPr lang="sr-Latn-RS" dirty="0"/>
+                        <a:t>~1</a:t>
+                      </a:r>
+                      <a:r>
+                        <a:rPr lang="en-US" dirty="0"/>
+                        <a:t>50</a:t>
+                      </a:r>
+                      <a:r>
+                        <a:rPr lang="sr-Latn-RS" dirty="0"/>
+                        <a:t> miliona</a:t>
+                      </a:r>
+                      <a:endParaRPr lang="en-US" dirty="0"/>
+                    </a:p>
+                  </a:txBody>
+                  <a:tcPr anchor="ctr"/>
+                </a:tc>
+                <a:tc>
+                  <a:txBody>
+                    <a:bodyPr/>
+                    <a:lstStyle/>
+                    <a:p>
+                      <a:pPr algn="ctr"/>
+                      <a:r>
+                        <a:rPr lang="en-US" dirty="0"/>
+                        <a:t>214 MB</a:t>
+                      </a:r>
+                    </a:p>
+                  </a:txBody>
+                  <a:tcPr anchor="ctr"/>
+                </a:tc>
+                <a:tc>
+                  <a:txBody>
+                    <a:bodyPr/>
+                    <a:lstStyle/>
+                    <a:p>
+                      <a:pPr algn="ctr"/>
+                      <a:r>
+                        <a:rPr lang="en-US" dirty="0"/>
+                        <a:t>~843 MB</a:t>
+                      </a:r>
+                    </a:p>
+                  </a:txBody>
+                  <a:tcPr anchor="ctr"/>
+                </a:tc>
+                <a:extLst>
+                  <a:ext uri="{0D108BD9-81ED-4DB2-BD59-A6C34878D82A}">
+                    <a16:rowId xmlns:a16="http://schemas.microsoft.com/office/drawing/2014/main" val="1697209727"/>
+                  </a:ext>
+                </a:extLst>
+              </a:tr>
+              <a:tr h="370840">
+                <a:tc>
+                  <a:txBody>
+                    <a:bodyPr/>
+                    <a:lstStyle/>
+                    <a:p>
+                      <a:pPr algn="ctr"/>
+                      <a:r>
+                        <a:rPr lang="pt-BR" dirty="0"/>
+                        <a:t>Podarcis muralis, chromosome 1</a:t>
+                      </a:r>
+                      <a:endParaRPr lang="en-US" dirty="0"/>
+                    </a:p>
+                  </a:txBody>
+                  <a:tcPr anchor="ctr"/>
+                </a:tc>
+                <a:tc>
+                  <a:txBody>
+                    <a:bodyPr/>
+                    <a:lstStyle/>
+                    <a:p>
+                      <a:pPr algn="ctr"/>
+                      <a:r>
+                        <a:rPr lang="sr-Latn-RS" dirty="0"/>
+                        <a:t>~1</a:t>
+                      </a:r>
+                      <a:r>
+                        <a:rPr lang="en-US" dirty="0"/>
+                        <a:t>4</a:t>
+                      </a:r>
+                      <a:r>
+                        <a:rPr lang="sr-Latn-RS" dirty="0"/>
+                        <a:t>0 miliona</a:t>
+                      </a:r>
+                      <a:endParaRPr lang="en-US" dirty="0"/>
+                    </a:p>
+                  </a:txBody>
+                  <a:tcPr anchor="ctr"/>
+                </a:tc>
+                <a:tc>
+                  <a:txBody>
+                    <a:bodyPr/>
+                    <a:lstStyle/>
+                    <a:p>
+                      <a:pPr algn="ctr"/>
+                      <a:r>
+                        <a:rPr lang="en-US" dirty="0"/>
+                        <a:t>201 MB</a:t>
+                      </a:r>
+                    </a:p>
+                  </a:txBody>
+                  <a:tcPr anchor="ctr"/>
+                </a:tc>
+                <a:tc>
+                  <a:txBody>
+                    <a:bodyPr/>
+                    <a:lstStyle/>
+                    <a:p>
+                      <a:pPr algn="ctr"/>
+                      <a:r>
+                        <a:rPr lang="en-US" dirty="0"/>
+                        <a:t>~784 MB</a:t>
+                      </a:r>
+                    </a:p>
+                  </a:txBody>
+                  <a:tcPr anchor="ctr"/>
+                </a:tc>
+                <a:extLst>
+                  <a:ext uri="{0D108BD9-81ED-4DB2-BD59-A6C34878D82A}">
+                    <a16:rowId xmlns:a16="http://schemas.microsoft.com/office/drawing/2014/main" val="1566349908"/>
+                  </a:ext>
+                </a:extLst>
+              </a:tr>
+            </a:tbl>
+          </a:graphicData>
+        </a:graphic>
+      </p:graphicFrame>
+    </p:spTree>
+    <p:extLst>
+      <p:ext uri="{BB962C8B-B14F-4D97-AF65-F5344CB8AC3E}">
+        <p14:creationId xmlns:p14="http://schemas.microsoft.com/office/powerpoint/2010/main" val="3834136738"/>
+      </p:ext>
+    </p:extLst>
+  </p:cSld>
+  <p:clrMapOvr>
+    <a:masterClrMapping/>
+  </p:clrMapOvr>
+</p:sld>
+</file>
+
+<file path=ppt/slides/slide14.xml><?xml version="1.0" encoding="utf-8"?>
 <p:sld xmlns:a="http://schemas.openxmlformats.org/drawingml/2006/main" xmlns:r="http://schemas.openxmlformats.org/officeDocument/2006/relationships" xmlns:p="http://schemas.openxmlformats.org/presentationml/2006/main">
   <p:cSld>
     <p:spTree>
